--- a/database/slides/APOSTLES_CREED.pptx
+++ b/database/slides/APOSTLES_CREED.pptx
@@ -6,10 +6,11 @@
     <p:sldMasterId id="2147483671" r:id="rId2"/>
   </p:sldMasterIdLst>
   <p:notesMasterIdLst>
-    <p:notesMasterId r:id="rId4"/>
+    <p:notesMasterId r:id="rId5"/>
   </p:notesMasterIdLst>
   <p:sldIdLst>
     <p:sldId id="256" r:id="rId3"/>
+    <p:sldId id="257" r:id="rId4"/>
   </p:sldIdLst>
   <p:sldSz cx="9144000" cy="6858000" type="screen4x3"/>
   <p:notesSz cx="6858000" cy="9144000"/>
@@ -803,6 +804,115 @@
         </p:spPr>
       </p:sp>
     </p:spTree>
+  </p:cSld>
+  <p:clrMapOvr>
+    <a:masterClrMapping/>
+  </p:clrMapOvr>
+</p:notes>
+</file>
+
+<file path=ppt/notesSlides/notesSlide2.xml><?xml version="1.0" encoding="utf-8"?>
+<p:notes xmlns:a="http://schemas.openxmlformats.org/drawingml/2006/main" xmlns:r="http://schemas.openxmlformats.org/officeDocument/2006/relationships" xmlns:p="http://schemas.openxmlformats.org/presentationml/2006/main" showMasterSp="0" showMasterPhAnim="0">
+  <p:cSld>
+    <p:spTree>
+      <p:nvGrpSpPr>
+        <p:cNvPr id="1" name="Shape 125"/>
+        <p:cNvGrpSpPr/>
+        <p:nvPr/>
+      </p:nvGrpSpPr>
+      <p:grpSpPr>
+        <a:xfrm>
+          <a:off x="0" y="0"/>
+          <a:ext cx="0" cy="0"/>
+          <a:chOff x="0" y="0"/>
+          <a:chExt cx="0" cy="0"/>
+        </a:xfrm>
+      </p:grpSpPr>
+      <p:sp>
+        <p:nvSpPr>
+          <p:cNvPr id="126" name="Google Shape;126;g24f3f32051f_0_87:notes"/>
+          <p:cNvSpPr txBox="1">
+            <a:spLocks noGrp="1"/>
+          </p:cNvSpPr>
+          <p:nvPr>
+            <p:ph type="body" idx="1"/>
+          </p:nvPr>
+        </p:nvSpPr>
+        <p:spPr>
+          <a:xfrm>
+            <a:off x="685800" y="4343400"/>
+            <a:ext cx="5486400" cy="4114800"/>
+          </a:xfrm>
+          <a:prstGeom prst="rect">
+            <a:avLst/>
+          </a:prstGeom>
+        </p:spPr>
+        <p:txBody>
+          <a:bodyPr spcFirstLastPara="1" wrap="square" lIns="91425" tIns="91425" rIns="91425" bIns="91425" anchor="t" anchorCtr="0">
+            <a:noAutofit/>
+          </a:bodyPr>
+          <a:lstStyle/>
+          <a:p>
+            <a:pPr marL="0" lvl="0" indent="0" algn="l" rtl="0">
+              <a:spcBef>
+                <a:spcPts val="0"/>
+              </a:spcBef>
+              <a:spcAft>
+                <a:spcPts val="0"/>
+              </a:spcAft>
+              <a:buNone/>
+            </a:pPr>
+            <a:endParaRPr dirty="0"/>
+          </a:p>
+        </p:txBody>
+      </p:sp>
+      <p:sp>
+        <p:nvSpPr>
+          <p:cNvPr id="127" name="Google Shape;127;g24f3f32051f_0_87:notes"/>
+          <p:cNvSpPr>
+            <a:spLocks noGrp="1" noRot="1" noChangeAspect="1"/>
+          </p:cNvSpPr>
+          <p:nvPr>
+            <p:ph type="sldImg" idx="2"/>
+          </p:nvPr>
+        </p:nvSpPr>
+        <p:spPr>
+          <a:xfrm>
+            <a:off x="1143000" y="685800"/>
+            <a:ext cx="4572000" cy="3429000"/>
+          </a:xfrm>
+          <a:custGeom>
+            <a:avLst/>
+            <a:gdLst/>
+            <a:ahLst/>
+            <a:cxnLst/>
+            <a:rect l="l" t="t" r="r" b="b"/>
+            <a:pathLst>
+              <a:path w="120000" h="120000" extrusionOk="0">
+                <a:moveTo>
+                  <a:pt x="0" y="0"/>
+                </a:moveTo>
+                <a:lnTo>
+                  <a:pt x="120000" y="0"/>
+                </a:lnTo>
+                <a:lnTo>
+                  <a:pt x="120000" y="120000"/>
+                </a:lnTo>
+                <a:lnTo>
+                  <a:pt x="0" y="120000"/>
+                </a:lnTo>
+                <a:close/>
+              </a:path>
+            </a:pathLst>
+          </a:custGeom>
+        </p:spPr>
+      </p:sp>
+    </p:spTree>
+    <p:extLst>
+      <p:ext uri="{BB962C8B-B14F-4D97-AF65-F5344CB8AC3E}">
+        <p14:creationId xmlns:p14="http://schemas.microsoft.com/office/powerpoint/2010/main" val="3669957606"/>
+      </p:ext>
+    </p:extLst>
   </p:cSld>
   <p:clrMapOvr>
     <a:masterClrMapping/>
@@ -15492,26 +15602,16 @@
               <a:buNone/>
             </a:pPr>
             <a:r>
-              <a:rPr lang="en-US" b="1" i="0" u="none" strike="noStrike" dirty="0">
+              <a:rPr lang="en-US" sz="4300" b="1" i="0" u="none" strike="noStrike" dirty="0">
                 <a:solidFill>
                   <a:schemeClr val="bg1"/>
                 </a:solidFill>
                 <a:effectLst/>
                 <a:latin typeface="Calibri" panose="020F0502020204030204" pitchFamily="34" charset="0"/>
               </a:rPr>
-              <a:t>I believe in God, the Father almighty, creator of heaven and earth, and in Jesus Christ, his only Son, our Lord, who was conceived by the Holy Spirit, born of the Virgin Mary, suffered under Pontius Pilate, was crucified, died and was buried; he descended into hell; on the third day he rose again from the dead; he ascended into heaven, and is seated at the right hand of God the Father almighty; from there he will come to judge the living and the dead, I believe in the Holy Spirit, the Holy Catholic Church, the communion of saints, the forgiveness of sins, the resurrection of the body, and life everlasting. </a:t>
+              <a:t>I believe in God, the Father almighty, creator of heaven and earth, and in Jesus Christ, his only Son, our Lord, who was conceived by the Holy Spirit, born of the Virgin Mary, suffered under Pontius Pilate, was crucified, died and was buried; he descended into hell; on the third day he rose again from the dead;</a:t>
             </a:r>
-            <a:r>
-              <a:rPr lang="en-US" b="1" i="0" u="none" strike="noStrike">
-                <a:solidFill>
-                  <a:schemeClr val="bg1"/>
-                </a:solidFill>
-                <a:effectLst/>
-                <a:latin typeface="Calibri" panose="020F0502020204030204" pitchFamily="34" charset="0"/>
-              </a:rPr>
-              <a:t>Amen.</a:t>
-            </a:r>
-            <a:endParaRPr lang="en-US" b="1" dirty="0">
+            <a:endParaRPr lang="en-US" sz="4300" b="1" dirty="0">
               <a:solidFill>
                 <a:schemeClr val="bg1"/>
               </a:solidFill>
@@ -15572,6 +15672,217 @@
         </p:txBody>
       </p:sp>
     </p:spTree>
+  </p:cSld>
+  <p:clrMapOvr>
+    <a:masterClrMapping/>
+  </p:clrMapOvr>
+</p:sld>
+</file>
+
+<file path=ppt/slides/slide2.xml><?xml version="1.0" encoding="utf-8"?>
+<p:sld xmlns:a="http://schemas.openxmlformats.org/drawingml/2006/main" xmlns:r="http://schemas.openxmlformats.org/officeDocument/2006/relationships" xmlns:p="http://schemas.openxmlformats.org/presentationml/2006/main">
+  <p:cSld>
+    <p:bg>
+      <p:bgPr>
+        <a:solidFill>
+          <a:schemeClr val="dk1"/>
+        </a:solidFill>
+        <a:effectLst/>
+      </p:bgPr>
+    </p:bg>
+    <p:spTree>
+      <p:nvGrpSpPr>
+        <p:cNvPr id="1" name="Shape 128"/>
+        <p:cNvGrpSpPr/>
+        <p:nvPr/>
+      </p:nvGrpSpPr>
+      <p:grpSpPr>
+        <a:xfrm>
+          <a:off x="0" y="0"/>
+          <a:ext cx="0" cy="0"/>
+          <a:chOff x="0" y="0"/>
+          <a:chExt cx="0" cy="0"/>
+        </a:xfrm>
+      </p:grpSpPr>
+      <p:sp>
+        <p:nvSpPr>
+          <p:cNvPr id="129" name="Google Shape;129;p25"/>
+          <p:cNvSpPr txBox="1">
+            <a:spLocks noGrp="1"/>
+          </p:cNvSpPr>
+          <p:nvPr>
+            <p:ph type="title"/>
+          </p:nvPr>
+        </p:nvSpPr>
+        <p:spPr>
+          <a:xfrm>
+            <a:off x="61050" y="0"/>
+            <a:ext cx="9021900" cy="708300"/>
+          </a:xfrm>
+          <a:prstGeom prst="rect">
+            <a:avLst/>
+          </a:prstGeom>
+          <a:noFill/>
+          <a:ln>
+            <a:noFill/>
+          </a:ln>
+        </p:spPr>
+        <p:txBody>
+          <a:bodyPr spcFirstLastPara="1" wrap="square" lIns="91425" tIns="45700" rIns="91425" bIns="45700" anchor="ctr" anchorCtr="0">
+            <a:noAutofit/>
+          </a:bodyPr>
+          <a:lstStyle/>
+          <a:p>
+            <a:pPr marL="171450" algn="l">
+              <a:buClr>
+                <a:schemeClr val="lt1"/>
+              </a:buClr>
+              <a:buSzPts val="3200"/>
+            </a:pPr>
+            <a:r>
+              <a:rPr lang="en-US" sz="3000" b="1" u="sng" dirty="0">
+                <a:solidFill>
+                  <a:schemeClr val="lt1"/>
+                </a:solidFill>
+              </a:rPr>
+              <a:t>THE APOSTLES CREED</a:t>
+            </a:r>
+          </a:p>
+        </p:txBody>
+      </p:sp>
+      <p:sp>
+        <p:nvSpPr>
+          <p:cNvPr id="130" name="Google Shape;130;p25"/>
+          <p:cNvSpPr txBox="1">
+            <a:spLocks noGrp="1"/>
+          </p:cNvSpPr>
+          <p:nvPr>
+            <p:ph type="body" idx="1"/>
+          </p:nvPr>
+        </p:nvSpPr>
+        <p:spPr>
+          <a:xfrm>
+            <a:off x="51350" y="762925"/>
+            <a:ext cx="9021900" cy="6039300"/>
+          </a:xfrm>
+          <a:prstGeom prst="rect">
+            <a:avLst/>
+          </a:prstGeom>
+          <a:noFill/>
+          <a:ln>
+            <a:noFill/>
+          </a:ln>
+        </p:spPr>
+        <p:txBody>
+          <a:bodyPr spcFirstLastPara="1" wrap="square" lIns="0" tIns="0" rIns="0" bIns="0" anchor="t" anchorCtr="0">
+            <a:noAutofit/>
+          </a:bodyPr>
+          <a:lstStyle/>
+          <a:p>
+            <a:pPr marL="114300" indent="0" rtl="0">
+              <a:spcBef>
+                <a:spcPts val="0"/>
+              </a:spcBef>
+              <a:spcAft>
+                <a:spcPts val="0"/>
+              </a:spcAft>
+              <a:buNone/>
+            </a:pPr>
+            <a:r>
+              <a:rPr lang="en-US" sz="4300" b="1" dirty="0">
+                <a:solidFill>
+                  <a:schemeClr val="bg1"/>
+                </a:solidFill>
+                <a:latin typeface="Calibri" panose="020F0502020204030204" pitchFamily="34" charset="0"/>
+              </a:rPr>
+              <a:t>H</a:t>
+            </a:r>
+            <a:r>
+              <a:rPr lang="en-US" sz="4300" b="1" i="0" u="none" strike="noStrike">
+                <a:solidFill>
+                  <a:schemeClr val="bg1"/>
+                </a:solidFill>
+                <a:effectLst/>
+                <a:latin typeface="Calibri" panose="020F0502020204030204" pitchFamily="34" charset="0"/>
+              </a:rPr>
+              <a:t>e </a:t>
+            </a:r>
+            <a:r>
+              <a:rPr lang="en-US" sz="4300" b="1" i="0" u="none" strike="noStrike" dirty="0">
+                <a:solidFill>
+                  <a:schemeClr val="bg1"/>
+                </a:solidFill>
+                <a:effectLst/>
+                <a:latin typeface="Calibri" panose="020F0502020204030204" pitchFamily="34" charset="0"/>
+              </a:rPr>
+              <a:t>ascended into heaven, and is seated at the right hand of God the Father almighty; from there he will come to judge the living and the dead, I believe in the Holy Spirit, the Holy Catholic Church, the communion of saints, the forgiveness of sins, the resurrection of the body, and the life everlasting. Amen.</a:t>
+            </a:r>
+            <a:endParaRPr lang="en-US" sz="4300" b="1" dirty="0">
+              <a:solidFill>
+                <a:schemeClr val="bg1"/>
+              </a:solidFill>
+              <a:effectLst/>
+            </a:endParaRPr>
+          </a:p>
+        </p:txBody>
+      </p:sp>
+      <p:sp>
+        <p:nvSpPr>
+          <p:cNvPr id="131" name="Google Shape;131;p25"/>
+          <p:cNvSpPr txBox="1"/>
+          <p:nvPr/>
+        </p:nvSpPr>
+        <p:spPr>
+          <a:xfrm>
+            <a:off x="7595100" y="6357300"/>
+            <a:ext cx="1548900" cy="500700"/>
+          </a:xfrm>
+          <a:prstGeom prst="rect">
+            <a:avLst/>
+          </a:prstGeom>
+          <a:noFill/>
+          <a:ln>
+            <a:noFill/>
+          </a:ln>
+        </p:spPr>
+        <p:txBody>
+          <a:bodyPr spcFirstLastPara="1" wrap="square" lIns="91425" tIns="91425" rIns="91425" bIns="91425" anchor="ctr" anchorCtr="0">
+            <a:noAutofit/>
+          </a:bodyPr>
+          <a:lstStyle/>
+          <a:p>
+            <a:pPr marL="0" lvl="0" indent="0" algn="l" rtl="0">
+              <a:spcBef>
+                <a:spcPts val="0"/>
+              </a:spcBef>
+              <a:spcAft>
+                <a:spcPts val="0"/>
+              </a:spcAft>
+              <a:buClr>
+                <a:schemeClr val="lt1"/>
+              </a:buClr>
+              <a:buSzPts val="3200"/>
+              <a:buFont typeface="Arial"/>
+              <a:buNone/>
+            </a:pPr>
+            <a:endParaRPr lang="en-GB" sz="3600" b="1" i="1" dirty="0">
+              <a:solidFill>
+                <a:srgbClr val="FFFF00"/>
+              </a:solidFill>
+              <a:latin typeface="Calibri"/>
+              <a:ea typeface="Calibri"/>
+              <a:cs typeface="Calibri"/>
+              <a:sym typeface="Calibri"/>
+            </a:endParaRPr>
+          </a:p>
+        </p:txBody>
+      </p:sp>
+    </p:spTree>
+    <p:extLst>
+      <p:ext uri="{BB962C8B-B14F-4D97-AF65-F5344CB8AC3E}">
+        <p14:creationId xmlns:p14="http://schemas.microsoft.com/office/powerpoint/2010/main" val="1270370063"/>
+      </p:ext>
+    </p:extLst>
   </p:cSld>
   <p:clrMapOvr>
     <a:masterClrMapping/>

--- a/database/slides/APOSTLES_CREED.pptx
+++ b/database/slides/APOSTLES_CREED.pptx
@@ -15659,15 +15659,18 @@
               <a:buFont typeface="Arial"/>
               <a:buNone/>
             </a:pPr>
-            <a:endParaRPr lang="en-GB" sz="3600" b="1" i="1" dirty="0">
-              <a:solidFill>
-                <a:srgbClr val="FFFF00"/>
-              </a:solidFill>
-              <a:latin typeface="Calibri"/>
-              <a:ea typeface="Calibri"/>
-              <a:cs typeface="Calibri"/>
-              <a:sym typeface="Calibri"/>
-            </a:endParaRPr>
+            <a:r>
+              <a:rPr lang="en-GB" sz="3600" b="1" i="1" dirty="0">
+                <a:solidFill>
+                  <a:srgbClr val="FFFF00"/>
+                </a:solidFill>
+                <a:latin typeface="Calibri"/>
+                <a:ea typeface="Calibri"/>
+                <a:cs typeface="Calibri"/>
+                <a:sym typeface="Calibri"/>
+              </a:rPr>
+              <a:t>contd..</a:t>
+            </a:r>
           </a:p>
         </p:txBody>
       </p:sp>
